--- a/Presentation Templates/One Liner Template (ML Classification).pptx
+++ b/Presentation Templates/One Liner Template (ML Classification).pptx
@@ -391,7 +391,7 @@
           <a:p>
             <a:fld id="{9184DA70-C731-4C70-880D-CCD4705E623C}" type="datetime1">
               <a:rPr lang="en-US" smtClean="0"/>
-              <a:t>9/12/2021</a:t>
+              <a:t>10/24/2022</a:t>
             </a:fld>
             <a:endParaRPr lang="en-US" dirty="0"/>
           </a:p>
@@ -579,7 +579,7 @@
           <a:p>
             <a:fld id="{B612A279-0833-481D-8C56-F67FD0AC6C50}" type="datetime1">
               <a:rPr lang="en-US" smtClean="0"/>
-              <a:t>9/12/2021</a:t>
+              <a:t>10/24/2022</a:t>
             </a:fld>
             <a:endParaRPr lang="en-US" dirty="0"/>
           </a:p>
@@ -821,7 +821,7 @@
           <a:p>
             <a:fld id="{6587DA83-5663-4C9C-B9AA-0B40A3DAFF81}" type="datetime1">
               <a:rPr lang="en-US" smtClean="0"/>
-              <a:t>9/12/2021</a:t>
+              <a:t>10/24/2022</a:t>
             </a:fld>
             <a:endParaRPr lang="en-US" dirty="0"/>
           </a:p>
@@ -1009,7 +1009,7 @@
           <a:p>
             <a:fld id="{4BE1D723-8F53-4F53-90B0-1982A396982E}" type="datetime1">
               <a:rPr lang="en-US" smtClean="0"/>
-              <a:t>9/12/2021</a:t>
+              <a:t>10/24/2022</a:t>
             </a:fld>
             <a:endParaRPr lang="en-US" dirty="0"/>
           </a:p>
@@ -1382,7 +1382,7 @@
           <a:p>
             <a:fld id="{97669AF7-7BEB-44E4-9852-375E34362B5B}" type="datetime1">
               <a:rPr lang="en-US" smtClean="0"/>
-              <a:t>9/12/2021</a:t>
+              <a:t>10/24/2022</a:t>
             </a:fld>
             <a:endParaRPr lang="en-US" dirty="0"/>
           </a:p>
@@ -1637,7 +1637,7 @@
           <a:p>
             <a:fld id="{BAAAC38D-0552-4C82-B593-E6124DFADBE2}" type="datetime1">
               <a:rPr lang="en-US" smtClean="0"/>
-              <a:t>9/12/2021</a:t>
+              <a:t>10/24/2022</a:t>
             </a:fld>
             <a:endParaRPr lang="en-US" dirty="0"/>
           </a:p>
@@ -2034,7 +2034,7 @@
           <a:p>
             <a:fld id="{D9DF0F1C-5577-4ACB-BB62-DF8F3C494C7E}" type="datetime1">
               <a:rPr lang="en-US" smtClean="0"/>
-              <a:t>9/12/2021</a:t>
+              <a:t>10/24/2022</a:t>
             </a:fld>
             <a:endParaRPr lang="en-US" dirty="0"/>
           </a:p>
@@ -2169,7 +2169,7 @@
           <a:p>
             <a:fld id="{1775B394-D9F9-4F0C-B15D-605F45CB9E9F}" type="datetime1">
               <a:rPr lang="en-US" smtClean="0"/>
-              <a:t>9/12/2021</a:t>
+              <a:t>10/24/2022</a:t>
             </a:fld>
             <a:endParaRPr lang="en-US" dirty="0"/>
           </a:p>
@@ -2326,7 +2326,7 @@
           <a:p>
             <a:fld id="{39667345-2558-425A-8533-9BFDBCE15005}" type="datetime1">
               <a:rPr lang="en-US" smtClean="0"/>
-              <a:t>9/12/2021</a:t>
+              <a:t>10/24/2022</a:t>
             </a:fld>
             <a:endParaRPr lang="en-US" dirty="0"/>
           </a:p>
@@ -2655,7 +2655,7 @@
           <a:p>
             <a:fld id="{92BEA474-078D-4E9B-9B14-09A87B19DC46}" type="datetime1">
               <a:rPr lang="en-US" smtClean="0"/>
-              <a:t>9/12/2021</a:t>
+              <a:t>10/24/2022</a:t>
             </a:fld>
             <a:endParaRPr lang="en-US" dirty="0"/>
           </a:p>
@@ -3005,7 +3005,7 @@
           <a:p>
             <a:fld id="{4907D986-8816-4272-A432-0437A28A9828}" type="datetime1">
               <a:rPr lang="en-US" smtClean="0"/>
-              <a:t>9/12/2021</a:t>
+              <a:t>10/24/2022</a:t>
             </a:fld>
             <a:endParaRPr lang="en-US" dirty="0"/>
           </a:p>
@@ -3266,7 +3266,7 @@
           <a:p>
             <a:fld id="{62D6E202-B606-4609-B914-27C9371A1F6D}" type="datetime1">
               <a:rPr lang="en-US" smtClean="0"/>
-              <a:t>9/12/2021</a:t>
+              <a:t>10/24/2022</a:t>
             </a:fld>
             <a:endParaRPr lang="en-US" dirty="0"/>
           </a:p>
@@ -5519,7 +5519,7 @@
                 <a:effectLst/>
                 <a:latin typeface="le-monde-livre-std"/>
               </a:rPr>
-              <a:t>by creating a &lt;Model Name&gt;</a:t>
+              <a:t>by building a &lt;Model Name&gt;</a:t>
             </a:r>
             <a:endParaRPr lang="en-IN" sz="2800" dirty="0">
               <a:solidFill>
@@ -5881,7 +5881,7 @@
                 <a:effectLst/>
                 <a:latin typeface="le-monde-livre-std"/>
               </a:rPr>
-              <a:t>by creating a Decision Tree Model </a:t>
+              <a:t>by building a Decision Tree Model </a:t>
             </a:r>
             <a:endParaRPr lang="en-IN" sz="2800" dirty="0">
               <a:solidFill>
